--- a/third_delivery/IOT_Project 3.0.pptx
+++ b/third_delivery/IOT_Project 3.0.pptx
@@ -12559,7 +12559,7 @@
                   <a:cs typeface="Lato"/>
                   <a:sym typeface="Lato"/>
                 </a:rPr>
-                <a:t>IMPLEMENT AND DOCUMENT A THIRD CONFIGURATION</a:t>
+                <a:t>IMPLEMENT AND DOCUMENT OTHER CONFIGURATIONS</a:t>
               </a:r>
               <a:endParaRPr b="1" sz="1200">
                 <a:solidFill>
